--- a/IOT-Team_PBBT.pptx
+++ b/IOT-Team_PBBT.pptx
@@ -113,7 +113,22 @@
       </a:defRPr>
     </a:lvl9pPr>
   </p:defaultTextStyle>
+  <p:extLst>
+    <p:ext uri="{EFAFB233-063F-42B5-8137-9DF3F51BA10A}">
+      <p15:sldGuideLst xmlns:p15="http://schemas.microsoft.com/office/powerpoint/2012/main"/>
+    </p:ext>
+  </p:extLst>
 </p:presentation>
+</file>
+
+<file path=ppt/revisionInfo.xml><?xml version="1.0" encoding="utf-8"?>
+<p1510:revInfo xmlns:a="http://schemas.openxmlformats.org/drawingml/2006/main" xmlns:r="http://schemas.openxmlformats.org/officeDocument/2006/relationships" xmlns:p1510="http://schemas.microsoft.com/office/powerpoint/2015/10/main">
+  <p1510:revLst>
+    <p1510:client id="{3A806403-E084-BDC0-2453-BF819BBA60BD}" v="271" dt="2023-11-30T13:56:50.808"/>
+    <p1510:client id="{6241BBDD-14B5-4252-8A27-85AB1DFA4C26}" vWet="4" dt="2023-11-30T08:37:51.255"/>
+    <p1510:client id="{D636BC8A-C056-5256-92E9-8271696DF9D7}" v="21" dt="2023-11-30T12:03:07.154"/>
+  </p1510:revLst>
+</p1510:revInfo>
 </file>
 
 <file path=ppt/slideLayouts/slideLayout1.xml><?xml version="1.0" encoding="utf-8"?>
@@ -329,7 +344,6 @@
               <a:rPr lang="en-US"/>
               <a:t>Click to edit Master title style</a:t>
             </a:r>
-            <a:endParaRPr lang="en-US" dirty="0"/>
           </a:p>
         </p:txBody>
       </p:sp>
@@ -402,7 +416,6 @@
               <a:rPr lang="en-US"/>
               <a:t>Click to edit Master subtitle style</a:t>
             </a:r>
-            <a:endParaRPr lang="en-US" dirty="0"/>
           </a:p>
         </p:txBody>
       </p:sp>
@@ -429,7 +442,7 @@
           <a:p>
             <a:fld id="{1E351CED-465B-40B5-ADCE-957C918F227B}" type="datetimeFigureOut">
               <a:rPr lang="en-US" smtClean="0"/>
-              <a:t>11/29/2023</a:t>
+              <a:t>11/30/2023</a:t>
             </a:fld>
             <a:endParaRPr lang="en-US"/>
           </a:p>
@@ -483,7 +496,7 @@
           <a:p>
             <a:fld id="{5A33CB2A-1702-4C1D-9CC4-8D472D39F19E}" type="slidenum">
               <a:rPr lang="en-US" smtClean="0"/>
-              <a:t>‹N°›</a:t>
+              <a:t>‹#›</a:t>
             </a:fld>
             <a:endParaRPr lang="en-US"/>
           </a:p>
@@ -637,7 +650,7 @@
           <a:p>
             <a:fld id="{1E351CED-465B-40B5-ADCE-957C918F227B}" type="datetimeFigureOut">
               <a:rPr lang="en-US" smtClean="0"/>
-              <a:t>11/29/2023</a:t>
+              <a:t>11/30/2023</a:t>
             </a:fld>
             <a:endParaRPr lang="en-US"/>
           </a:p>
@@ -691,7 +704,7 @@
           <a:p>
             <a:fld id="{5A33CB2A-1702-4C1D-9CC4-8D472D39F19E}" type="slidenum">
               <a:rPr lang="en-US" smtClean="0"/>
-              <a:t>‹N°›</a:t>
+              <a:t>‹#›</a:t>
             </a:fld>
             <a:endParaRPr lang="en-US"/>
           </a:p>
@@ -757,7 +770,6 @@
               <a:rPr lang="en-US"/>
               <a:t>Click to edit Master title style</a:t>
             </a:r>
-            <a:endParaRPr lang="en-US" dirty="0"/>
           </a:p>
         </p:txBody>
       </p:sp>
@@ -820,7 +832,6 @@
               <a:rPr lang="en-US"/>
               <a:t>Fifth level</a:t>
             </a:r>
-            <a:endParaRPr lang="en-US" dirty="0"/>
           </a:p>
         </p:txBody>
       </p:sp>
@@ -847,7 +858,7 @@
           <a:p>
             <a:fld id="{1E351CED-465B-40B5-ADCE-957C918F227B}" type="datetimeFigureOut">
               <a:rPr lang="en-US" smtClean="0"/>
-              <a:t>11/29/2023</a:t>
+              <a:t>11/30/2023</a:t>
             </a:fld>
             <a:endParaRPr lang="en-US"/>
           </a:p>
@@ -901,7 +912,7 @@
           <a:p>
             <a:fld id="{5A33CB2A-1702-4C1D-9CC4-8D472D39F19E}" type="slidenum">
               <a:rPr lang="en-US" smtClean="0"/>
-              <a:t>‹N°›</a:t>
+              <a:t>‹#›</a:t>
             </a:fld>
             <a:endParaRPr lang="en-US"/>
           </a:p>
@@ -962,7 +973,6 @@
               <a:rPr lang="en-US"/>
               <a:t>Click to edit Master title style</a:t>
             </a:r>
-            <a:endParaRPr lang="en-US" dirty="0"/>
           </a:p>
         </p:txBody>
       </p:sp>
@@ -1020,7 +1030,6 @@
               <a:rPr lang="en-US"/>
               <a:t>Fifth level</a:t>
             </a:r>
-            <a:endParaRPr lang="en-US" dirty="0"/>
           </a:p>
         </p:txBody>
       </p:sp>
@@ -1047,7 +1056,7 @@
           <a:p>
             <a:fld id="{1E351CED-465B-40B5-ADCE-957C918F227B}" type="datetimeFigureOut">
               <a:rPr lang="en-US" smtClean="0"/>
-              <a:t>11/29/2023</a:t>
+              <a:t>11/30/2023</a:t>
             </a:fld>
             <a:endParaRPr lang="en-US"/>
           </a:p>
@@ -1101,7 +1110,7 @@
           <a:p>
             <a:fld id="{5A33CB2A-1702-4C1D-9CC4-8D472D39F19E}" type="slidenum">
               <a:rPr lang="en-US" smtClean="0"/>
-              <a:t>‹N°›</a:t>
+              <a:t>‹#›</a:t>
             </a:fld>
             <a:endParaRPr lang="en-US"/>
           </a:p>
@@ -1473,7 +1482,6 @@
               <a:rPr lang="en-US"/>
               <a:t>Click to edit Master title style</a:t>
             </a:r>
-            <a:endParaRPr lang="en-US" dirty="0"/>
           </a:p>
         </p:txBody>
       </p:sp>
@@ -1625,7 +1633,7 @@
           <a:p>
             <a:fld id="{1E351CED-465B-40B5-ADCE-957C918F227B}" type="datetimeFigureOut">
               <a:rPr lang="en-US" smtClean="0"/>
-              <a:t>11/29/2023</a:t>
+              <a:t>11/30/2023</a:t>
             </a:fld>
             <a:endParaRPr lang="en-US"/>
           </a:p>
@@ -1679,7 +1687,7 @@
           <a:p>
             <a:fld id="{5A33CB2A-1702-4C1D-9CC4-8D472D39F19E}" type="slidenum">
               <a:rPr lang="en-US" smtClean="0"/>
-              <a:t>‹N°›</a:t>
+              <a:t>‹#›</a:t>
             </a:fld>
             <a:endParaRPr lang="en-US"/>
           </a:p>
@@ -1745,7 +1753,6 @@
               <a:rPr lang="en-US"/>
               <a:t>Click to edit Master title style</a:t>
             </a:r>
-            <a:endParaRPr lang="en-US" dirty="0"/>
           </a:p>
         </p:txBody>
       </p:sp>
@@ -1808,7 +1815,6 @@
               <a:rPr lang="en-US"/>
               <a:t>Fifth level</a:t>
             </a:r>
-            <a:endParaRPr lang="en-US" dirty="0"/>
           </a:p>
         </p:txBody>
       </p:sp>
@@ -1871,7 +1877,6 @@
               <a:rPr lang="en-US"/>
               <a:t>Fifth level</a:t>
             </a:r>
-            <a:endParaRPr lang="en-US" dirty="0"/>
           </a:p>
         </p:txBody>
       </p:sp>
@@ -1898,7 +1903,7 @@
           <a:p>
             <a:fld id="{1E351CED-465B-40B5-ADCE-957C918F227B}" type="datetimeFigureOut">
               <a:rPr lang="en-US" smtClean="0"/>
-              <a:t>11/29/2023</a:t>
+              <a:t>11/30/2023</a:t>
             </a:fld>
             <a:endParaRPr lang="en-US"/>
           </a:p>
@@ -1952,7 +1957,7 @@
           <a:p>
             <a:fld id="{5A33CB2A-1702-4C1D-9CC4-8D472D39F19E}" type="slidenum">
               <a:rPr lang="en-US" smtClean="0"/>
-              <a:t>‹N°›</a:t>
+              <a:t>‹#›</a:t>
             </a:fld>
             <a:endParaRPr lang="en-US"/>
           </a:p>
@@ -2018,7 +2023,6 @@
               <a:rPr lang="en-US"/>
               <a:t>Click to edit Master title style</a:t>
             </a:r>
-            <a:endParaRPr lang="en-US" dirty="0"/>
           </a:p>
         </p:txBody>
       </p:sp>
@@ -2315,7 +2319,7 @@
           <a:p>
             <a:fld id="{1E351CED-465B-40B5-ADCE-957C918F227B}" type="datetimeFigureOut">
               <a:rPr lang="en-US" smtClean="0"/>
-              <a:t>11/29/2023</a:t>
+              <a:t>11/30/2023</a:t>
             </a:fld>
             <a:endParaRPr lang="en-US"/>
           </a:p>
@@ -2369,7 +2373,7 @@
           <a:p>
             <a:fld id="{5A33CB2A-1702-4C1D-9CC4-8D472D39F19E}" type="slidenum">
               <a:rPr lang="en-US" smtClean="0"/>
-              <a:t>‹N°›</a:t>
+              <a:t>‹#›</a:t>
             </a:fld>
             <a:endParaRPr lang="en-US"/>
           </a:p>
@@ -2435,7 +2439,6 @@
               <a:rPr lang="en-US"/>
               <a:t>Click to edit Master title style</a:t>
             </a:r>
-            <a:endParaRPr lang="en-US" dirty="0"/>
           </a:p>
         </p:txBody>
       </p:sp>
@@ -2462,7 +2465,7 @@
           <a:p>
             <a:fld id="{1E351CED-465B-40B5-ADCE-957C918F227B}" type="datetimeFigureOut">
               <a:rPr lang="en-US" smtClean="0"/>
-              <a:t>11/29/2023</a:t>
+              <a:t>11/30/2023</a:t>
             </a:fld>
             <a:endParaRPr lang="en-US"/>
           </a:p>
@@ -2516,7 +2519,7 @@
           <a:p>
             <a:fld id="{5A33CB2A-1702-4C1D-9CC4-8D472D39F19E}" type="slidenum">
               <a:rPr lang="en-US" smtClean="0"/>
-              <a:t>‹N°›</a:t>
+              <a:t>‹#›</a:t>
             </a:fld>
             <a:endParaRPr lang="en-US"/>
           </a:p>
@@ -2575,7 +2578,7 @@
           <a:p>
             <a:fld id="{1E351CED-465B-40B5-ADCE-957C918F227B}" type="datetimeFigureOut">
               <a:rPr lang="en-US" smtClean="0"/>
-              <a:t>11/29/2023</a:t>
+              <a:t>11/30/2023</a:t>
             </a:fld>
             <a:endParaRPr lang="en-US"/>
           </a:p>
@@ -2629,7 +2632,7 @@
           <a:p>
             <a:fld id="{5A33CB2A-1702-4C1D-9CC4-8D472D39F19E}" type="slidenum">
               <a:rPr lang="en-US" smtClean="0"/>
-              <a:t>‹N°›</a:t>
+              <a:t>‹#›</a:t>
             </a:fld>
             <a:endParaRPr lang="en-US"/>
           </a:p>
@@ -2701,7 +2704,6 @@
               <a:rPr lang="en-US"/>
               <a:t>Click to edit Master title style</a:t>
             </a:r>
-            <a:endParaRPr lang="en-US" dirty="0"/>
           </a:p>
         </p:txBody>
       </p:sp>
@@ -2792,7 +2794,6 @@
               <a:rPr lang="en-US"/>
               <a:t>Fifth level</a:t>
             </a:r>
-            <a:endParaRPr lang="en-US" dirty="0"/>
           </a:p>
         </p:txBody>
       </p:sp>
@@ -2890,7 +2891,7 @@
           <a:p>
             <a:fld id="{1E351CED-465B-40B5-ADCE-957C918F227B}" type="datetimeFigureOut">
               <a:rPr lang="en-US" smtClean="0"/>
-              <a:t>11/29/2023</a:t>
+              <a:t>11/30/2023</a:t>
             </a:fld>
             <a:endParaRPr lang="en-US"/>
           </a:p>
@@ -2944,7 +2945,7 @@
           <a:p>
             <a:fld id="{5A33CB2A-1702-4C1D-9CC4-8D472D39F19E}" type="slidenum">
               <a:rPr lang="en-US" smtClean="0"/>
-              <a:t>‹N°›</a:t>
+              <a:t>‹#›</a:t>
             </a:fld>
             <a:endParaRPr lang="en-US"/>
           </a:p>
@@ -3016,7 +3017,6 @@
               <a:rPr lang="en-US"/>
               <a:t>Click to edit Master title style</a:t>
             </a:r>
-            <a:endParaRPr lang="en-US" dirty="0"/>
           </a:p>
         </p:txBody>
       </p:sp>
@@ -3184,7 +3184,7 @@
           <a:p>
             <a:fld id="{1E351CED-465B-40B5-ADCE-957C918F227B}" type="datetimeFigureOut">
               <a:rPr lang="en-US" smtClean="0"/>
-              <a:t>11/29/2023</a:t>
+              <a:t>11/30/2023</a:t>
             </a:fld>
             <a:endParaRPr lang="en-US"/>
           </a:p>
@@ -3238,7 +3238,7 @@
           <a:p>
             <a:fld id="{5A33CB2A-1702-4C1D-9CC4-8D472D39F19E}" type="slidenum">
               <a:rPr lang="en-US" smtClean="0"/>
-              <a:t>‹N°›</a:t>
+              <a:t>‹#›</a:t>
             </a:fld>
             <a:endParaRPr lang="en-US"/>
           </a:p>
@@ -3314,7 +3314,6 @@
               <a:rPr lang="en-US"/>
               <a:t>Click to edit Master title style</a:t>
             </a:r>
-            <a:endParaRPr lang="en-US" dirty="0"/>
           </a:p>
         </p:txBody>
       </p:sp>
@@ -3382,7 +3381,6 @@
               <a:rPr lang="en-US"/>
               <a:t>Fifth level</a:t>
             </a:r>
-            <a:endParaRPr lang="en-US" dirty="0"/>
           </a:p>
         </p:txBody>
       </p:sp>
@@ -3425,7 +3423,7 @@
           <a:p>
             <a:fld id="{1E351CED-465B-40B5-ADCE-957C918F227B}" type="datetimeFigureOut">
               <a:rPr lang="en-US" smtClean="0"/>
-              <a:t>11/29/2023</a:t>
+              <a:t>11/30/2023</a:t>
             </a:fld>
             <a:endParaRPr lang="en-US"/>
           </a:p>
@@ -3511,7 +3509,7 @@
           <a:p>
             <a:fld id="{5A33CB2A-1702-4C1D-9CC4-8D472D39F19E}" type="slidenum">
               <a:rPr lang="en-US" smtClean="0"/>
-              <a:t>‹N°›</a:t>
+              <a:t>‹#›</a:t>
             </a:fld>
             <a:endParaRPr lang="en-US"/>
           </a:p>
@@ -4151,7 +4149,7 @@
           <a:lstStyle/>
           <a:p>
             <a:r>
-              <a:rPr lang="fr-FR" dirty="0"/>
+              <a:rPr lang="fr-FR"/>
               <a:t>IOT – PBBT Team</a:t>
             </a:r>
           </a:p>
@@ -4186,7 +4184,7 @@
           <a:lstStyle/>
           <a:p>
             <a:r>
-              <a:rPr lang="fr-FR" dirty="0"/>
+              <a:rPr lang="fr-FR"/>
               <a:t>IOT Monitoring Camera</a:t>
             </a:r>
           </a:p>
@@ -4366,7 +4364,7 @@
           </a:prstGeom>
         </p:spPr>
         <p:txBody>
-          <a:bodyPr vert="horz" lIns="91440" tIns="45720" rIns="91440" bIns="45720" rtlCol="0">
+          <a:bodyPr vert="horz" lIns="91440" tIns="45720" rIns="91440" bIns="45720" rtlCol="0" anchor="t">
             <a:normAutofit fontScale="62500" lnSpcReduction="20000"/>
           </a:bodyPr>
           <a:lstStyle>
@@ -4535,38 +4533,38 @@
           </a:lstStyle>
           <a:p>
             <a:r>
-              <a:rPr lang="fr-FR" b="1" dirty="0"/>
+              <a:rPr lang="fr-FR" b="1"/>
               <a:t>Valentin EYRAUD</a:t>
             </a:r>
           </a:p>
           <a:p>
             <a:r>
-              <a:rPr lang="fr-FR" b="1" dirty="0"/>
+              <a:rPr lang="fr-FR" b="1"/>
               <a:t>Julian NDENDE</a:t>
             </a:r>
           </a:p>
           <a:p>
             <a:r>
-              <a:rPr lang="fr-FR" b="1" dirty="0"/>
+              <a:rPr lang="fr-FR" b="1"/>
               <a:t>Louis-Quentin AMSELLEM</a:t>
             </a:r>
           </a:p>
           <a:p>
             <a:r>
-              <a:rPr lang="fr-FR" b="1" dirty="0"/>
+              <a:rPr lang="fr-FR" b="1"/>
               <a:t>Baptiste ALLEX</a:t>
             </a:r>
           </a:p>
           <a:p>
             <a:r>
-              <a:rPr lang="fr-FR" b="1" dirty="0"/>
+              <a:rPr lang="fr-FR" b="1"/>
               <a:t>Arnaud HO-CHOUCK</a:t>
             </a:r>
           </a:p>
           <a:p>
             <a:r>
-              <a:rPr lang="fr-FR" b="1" dirty="0"/>
-              <a:t>Antoine VAN-GORP</a:t>
+              <a:rPr lang="fr-FR" b="1"/>
+              <a:t>Antoine VAN GORP</a:t>
             </a:r>
           </a:p>
         </p:txBody>
@@ -4630,7 +4628,7 @@
           <a:lstStyle/>
           <a:p>
             <a:r>
-              <a:rPr lang="en-US" sz="2000" b="1" u="sng" dirty="0">
+              <a:rPr lang="en-US" sz="2000" b="1" u="sng">
                 <a:solidFill>
                   <a:srgbClr val="0F0F0F"/>
                 </a:solidFill>
@@ -4638,7 +4636,7 @@
               </a:rPr>
               <a:t>VIII/ Conclusion</a:t>
             </a:r>
-            <a:endParaRPr lang="fr-FR" sz="3200" dirty="0"/>
+            <a:endParaRPr lang="fr-FR" sz="3200"/>
           </a:p>
         </p:txBody>
       </p:sp>
@@ -4985,7 +4983,7 @@
           <a:lstStyle/>
           <a:p>
             <a:r>
-              <a:rPr lang="fr-FR" dirty="0"/>
+              <a:rPr lang="fr-FR"/>
               <a:t>Summary : </a:t>
             </a:r>
           </a:p>
@@ -5170,13 +5168,13 @@
           <a:lstStyle/>
           <a:p>
             <a:r>
-              <a:rPr lang="fr-FR" b="1" u="sng" dirty="0">
+              <a:rPr lang="fr-FR" b="1" u="sng">
                 <a:latin typeface="Neue Haas Grotesk Text Pro (En-têtes)"/>
               </a:rPr>
               <a:t>I/ </a:t>
             </a:r>
             <a:r>
-              <a:rPr lang="en-US" b="1" i="0" u="sng" dirty="0">
+              <a:rPr lang="en-US" b="1" i="0" u="sng">
                 <a:solidFill>
                   <a:srgbClr val="0F0F0F"/>
                 </a:solidFill>
@@ -5188,7 +5186,7 @@
           </a:p>
           <a:p>
             <a:r>
-              <a:rPr lang="en-US" b="1" u="sng" dirty="0">
+              <a:rPr lang="en-US" b="1" u="sng">
                 <a:solidFill>
                   <a:srgbClr val="0F0F0F"/>
                 </a:solidFill>
@@ -5199,7 +5197,7 @@
           </a:p>
           <a:p>
             <a:r>
-              <a:rPr lang="en-US" b="1" u="sng" dirty="0">
+              <a:rPr lang="en-US" b="1" u="sng">
                 <a:solidFill>
                   <a:srgbClr val="0F0F0F"/>
                 </a:solidFill>
@@ -5208,7 +5206,7 @@
               <a:t>III/ </a:t>
             </a:r>
             <a:r>
-              <a:rPr lang="en-US" b="1" i="0" u="sng" dirty="0">
+              <a:rPr lang="en-US" b="1" i="0" u="sng">
                 <a:solidFill>
                   <a:srgbClr val="0F0F0F"/>
                 </a:solidFill>
@@ -5220,7 +5218,7 @@
           </a:p>
           <a:p>
             <a:r>
-              <a:rPr lang="en-US" b="1" u="sng" dirty="0">
+              <a:rPr lang="en-US" b="1" u="sng">
                 <a:solidFill>
                   <a:srgbClr val="0F0F0F"/>
                 </a:solidFill>
@@ -5229,7 +5227,7 @@
               <a:t>IV/ </a:t>
             </a:r>
             <a:r>
-              <a:rPr lang="en-US" b="1" i="0" u="sng" dirty="0">
+              <a:rPr lang="en-US" b="1" i="0" u="sng">
                 <a:solidFill>
                   <a:srgbClr val="0F0F0F"/>
                 </a:solidFill>
@@ -5241,7 +5239,7 @@
           </a:p>
           <a:p>
             <a:r>
-              <a:rPr lang="en-US" b="1" u="sng" dirty="0">
+              <a:rPr lang="en-US" b="1" u="sng">
                 <a:solidFill>
                   <a:srgbClr val="0F0F0F"/>
                 </a:solidFill>
@@ -5252,7 +5250,7 @@
           </a:p>
           <a:p>
             <a:r>
-              <a:rPr lang="en-US" b="1" u="sng" dirty="0">
+              <a:rPr lang="en-US" b="1" u="sng">
                 <a:solidFill>
                   <a:srgbClr val="0F0F0F"/>
                 </a:solidFill>
@@ -5261,7 +5259,7 @@
               <a:t>VI/ </a:t>
             </a:r>
             <a:r>
-              <a:rPr lang="en-US" b="1" i="0" u="sng" dirty="0">
+              <a:rPr lang="en-US" b="1" i="0" u="sng">
                 <a:solidFill>
                   <a:srgbClr val="0F0F0F"/>
                 </a:solidFill>
@@ -5273,7 +5271,7 @@
           </a:p>
           <a:p>
             <a:r>
-              <a:rPr lang="en-US" b="1" u="sng" dirty="0">
+              <a:rPr lang="en-US" b="1" u="sng">
                 <a:solidFill>
                   <a:srgbClr val="0F0F0F"/>
                 </a:solidFill>
@@ -5284,7 +5282,7 @@
           </a:p>
           <a:p>
             <a:r>
-              <a:rPr lang="en-US" b="1" u="sng" dirty="0">
+              <a:rPr lang="en-US" b="1" u="sng">
                 <a:solidFill>
                   <a:srgbClr val="0F0F0F"/>
                 </a:solidFill>
@@ -5294,7 +5292,7 @@
             </a:r>
           </a:p>
           <a:p>
-            <a:endParaRPr lang="fr-FR" b="1" u="sng" dirty="0">
+            <a:endParaRPr lang="fr-FR" b="1" u="sng">
               <a:latin typeface="Neue Haas Grotesk Text Pro (En-têtes)"/>
             </a:endParaRPr>
           </a:p>
@@ -5406,15 +5404,15 @@
               </a:lnSpc>
             </a:pPr>
             <a:r>
-              <a:rPr lang="fr-FR" sz="1700" dirty="0"/>
+              <a:rPr lang="fr-FR" sz="1700"/>
               <a:t>Project </a:t>
             </a:r>
             <a:r>
-              <a:rPr lang="fr-FR" sz="1700" dirty="0" err="1"/>
+              <a:rPr lang="fr-FR" sz="1700" err="1"/>
               <a:t>Purposes</a:t>
             </a:r>
             <a:r>
-              <a:rPr lang="fr-FR" sz="1700" dirty="0"/>
+              <a:rPr lang="fr-FR" sz="1700"/>
               <a:t> and Goals</a:t>
             </a:r>
           </a:p>
@@ -5516,7 +5514,7 @@
           <a:lstStyle/>
           <a:p>
             <a:r>
-              <a:rPr lang="en-US" sz="2800" b="1" u="sng" dirty="0">
+              <a:rPr lang="en-US" sz="2800" b="1" u="sng">
                 <a:solidFill>
                   <a:srgbClr val="0F0F0F"/>
                 </a:solidFill>
@@ -5524,7 +5522,7 @@
               </a:rPr>
               <a:t>II/ Team Members and Roles</a:t>
             </a:r>
-            <a:endParaRPr lang="fr-FR" sz="3200" dirty="0"/>
+            <a:endParaRPr lang="fr-FR" sz="3200"/>
           </a:p>
         </p:txBody>
       </p:sp>
@@ -5552,7 +5550,7 @@
           </a:prstGeom>
         </p:spPr>
         <p:txBody>
-          <a:bodyPr vert="horz" lIns="91440" tIns="45720" rIns="91440" bIns="45720" rtlCol="0">
+          <a:bodyPr vert="horz" lIns="91440" tIns="45720" rIns="91440" bIns="45720" rtlCol="0" anchor="t">
             <a:normAutofit fontScale="85000" lnSpcReduction="10000"/>
           </a:bodyPr>
           <a:lstStyle>
@@ -5725,7 +5723,7 @@
               <a:buChar char="•"/>
             </a:pPr>
             <a:r>
-              <a:rPr lang="fr-FR" dirty="0"/>
+              <a:rPr lang="fr-FR"/>
               <a:t>Our roles in the project</a:t>
             </a:r>
           </a:p>
@@ -5735,105 +5733,105 @@
               <a:buChar char="•"/>
             </a:pPr>
             <a:r>
-              <a:rPr lang="fr-FR" dirty="0"/>
+              <a:rPr lang="fr-FR"/>
               <a:t>Individual contributions and collaboration</a:t>
             </a:r>
           </a:p>
           <a:p>
-            <a:endParaRPr lang="fr-FR" dirty="0"/>
-          </a:p>
-          <a:p>
-            <a:r>
-              <a:rPr lang="fr-FR" dirty="0"/>
+            <a:endParaRPr lang="fr-FR"/>
+          </a:p>
+          <a:p>
+            <a:r>
+              <a:rPr lang="fr-FR"/>
               <a:t>- Valentin EYRAUD : Team Leader and </a:t>
             </a:r>
             <a:r>
-              <a:rPr lang="fr-FR" dirty="0" err="1"/>
+              <a:rPr lang="fr-FR" err="1"/>
               <a:t>Developer</a:t>
             </a:r>
-            <a:endParaRPr lang="fr-FR" dirty="0"/>
-          </a:p>
-          <a:p>
-            <a:r>
-              <a:rPr lang="fr-FR" dirty="0"/>
+            <a:endParaRPr lang="fr-FR"/>
+          </a:p>
+          <a:p>
+            <a:r>
+              <a:rPr lang="fr-FR"/>
               <a:t>- Julian NDENDE : </a:t>
             </a:r>
             <a:r>
-              <a:rPr lang="fr-FR" dirty="0" err="1"/>
+              <a:rPr lang="fr-FR" err="1"/>
               <a:t>Surveyor</a:t>
             </a:r>
             <a:r>
-              <a:rPr lang="fr-FR" dirty="0"/>
+              <a:rPr lang="fr-FR"/>
               <a:t> and </a:t>
             </a:r>
             <a:r>
-              <a:rPr lang="fr-FR" dirty="0" err="1"/>
+              <a:rPr lang="fr-FR" err="1"/>
               <a:t>Developer</a:t>
             </a:r>
-            <a:endParaRPr lang="fr-FR" dirty="0"/>
-          </a:p>
-          <a:p>
-            <a:r>
-              <a:rPr lang="fr-FR" dirty="0"/>
+            <a:endParaRPr lang="fr-FR"/>
+          </a:p>
+          <a:p>
+            <a:r>
+              <a:rPr lang="fr-FR"/>
               <a:t>- Louis-Quentin AMSELLEM : </a:t>
             </a:r>
             <a:r>
-              <a:rPr lang="fr-FR" dirty="0" err="1"/>
+              <a:rPr lang="fr-FR" err="1"/>
               <a:t>Facilitator</a:t>
             </a:r>
             <a:r>
-              <a:rPr lang="fr-FR" dirty="0"/>
+              <a:rPr lang="fr-FR"/>
               <a:t> and </a:t>
             </a:r>
             <a:r>
-              <a:rPr lang="fr-FR" dirty="0" err="1"/>
+              <a:rPr lang="fr-FR" err="1"/>
               <a:t>Developer</a:t>
             </a:r>
-            <a:endParaRPr lang="fr-FR" dirty="0"/>
-          </a:p>
-          <a:p>
-            <a:r>
-              <a:rPr lang="fr-FR" dirty="0"/>
+            <a:endParaRPr lang="fr-FR"/>
+          </a:p>
+          <a:p>
+            <a:r>
+              <a:rPr lang="fr-FR"/>
               <a:t>- Baptiste ALLEX : </a:t>
             </a:r>
             <a:r>
-              <a:rPr lang="fr-FR" dirty="0" err="1"/>
+              <a:rPr lang="fr-FR" err="1"/>
               <a:t>Presenter</a:t>
             </a:r>
             <a:r>
-              <a:rPr lang="fr-FR" dirty="0"/>
+              <a:rPr lang="fr-FR"/>
               <a:t> and </a:t>
             </a:r>
             <a:r>
-              <a:rPr lang="fr-FR" dirty="0" err="1"/>
+              <a:rPr lang="fr-FR" err="1"/>
               <a:t>Developer</a:t>
             </a:r>
-            <a:endParaRPr lang="fr-FR" dirty="0"/>
-          </a:p>
-          <a:p>
-            <a:r>
-              <a:rPr lang="fr-FR" dirty="0"/>
+            <a:endParaRPr lang="fr-FR"/>
+          </a:p>
+          <a:p>
+            <a:r>
+              <a:rPr lang="fr-FR"/>
               <a:t>- Arnaud HO-CHOUCK : Recorder and </a:t>
             </a:r>
             <a:r>
-              <a:rPr lang="fr-FR" dirty="0" err="1"/>
+              <a:rPr lang="fr-FR" err="1"/>
               <a:t>Developer</a:t>
             </a:r>
-            <a:endParaRPr lang="fr-FR" dirty="0"/>
-          </a:p>
-          <a:p>
-            <a:r>
-              <a:rPr lang="fr-FR" dirty="0"/>
-              <a:t>- Antoine VAN-GORP : Process Observer and </a:t>
-            </a:r>
-            <a:r>
-              <a:rPr lang="fr-FR" dirty="0" err="1"/>
+            <a:endParaRPr lang="fr-FR"/>
+          </a:p>
+          <a:p>
+            <a:r>
+              <a:rPr lang="fr-FR"/>
+              <a:t>- Antoine VAN GORP : Process Observer and </a:t>
+            </a:r>
+            <a:r>
+              <a:rPr lang="fr-FR" err="1"/>
               <a:t>Developer</a:t>
             </a:r>
-            <a:endParaRPr lang="fr-FR" dirty="0"/>
-          </a:p>
-          <a:p>
-            <a:endParaRPr lang="fr-FR" dirty="0"/>
+            <a:endParaRPr lang="fr-FR"/>
+          </a:p>
+          <a:p>
+            <a:endParaRPr lang="fr-FR"/>
           </a:p>
         </p:txBody>
       </p:sp>
@@ -5896,7 +5894,7 @@
           <a:lstStyle/>
           <a:p>
             <a:r>
-              <a:rPr lang="en-US" sz="2400" b="1" u="sng" dirty="0">
+              <a:rPr lang="en-US" sz="2400" b="1" u="sng">
                 <a:solidFill>
                   <a:srgbClr val="0F0F0F"/>
                 </a:solidFill>
@@ -5905,7 +5903,7 @@
               <a:t>III/ </a:t>
             </a:r>
             <a:r>
-              <a:rPr lang="en-US" sz="2400" b="1" i="0" u="sng" dirty="0">
+              <a:rPr lang="en-US" sz="2400" b="1" i="0" u="sng">
                 <a:solidFill>
                   <a:srgbClr val="0F0F0F"/>
                 </a:solidFill>
@@ -5914,7 +5912,7 @@
               </a:rPr>
               <a:t>Project Ideation and Evolution</a:t>
             </a:r>
-            <a:endParaRPr lang="fr-FR" sz="3200" dirty="0"/>
+            <a:endParaRPr lang="fr-FR" sz="3200"/>
           </a:p>
         </p:txBody>
       </p:sp>
@@ -6115,7 +6113,7 @@
               <a:buChar char="•"/>
             </a:pPr>
             <a:r>
-              <a:rPr lang="fr-FR" dirty="0"/>
+              <a:rPr lang="fr-FR"/>
               <a:t>Outcome of brainstorming sessions</a:t>
             </a:r>
           </a:p>
@@ -6125,39 +6123,39 @@
               <a:buChar char="•"/>
             </a:pPr>
             <a:r>
-              <a:rPr lang="fr-FR" dirty="0"/>
+              <a:rPr lang="fr-FR"/>
               <a:t>Evolution of </a:t>
             </a:r>
             <a:r>
-              <a:rPr lang="fr-FR" dirty="0" err="1"/>
+              <a:rPr lang="fr-FR" err="1"/>
               <a:t>our</a:t>
             </a:r>
             <a:r>
-              <a:rPr lang="fr-FR" dirty="0"/>
+              <a:rPr lang="fr-FR"/>
               <a:t> </a:t>
             </a:r>
             <a:r>
-              <a:rPr lang="fr-FR" dirty="0" err="1"/>
+              <a:rPr lang="fr-FR" err="1"/>
               <a:t>idea</a:t>
             </a:r>
             <a:r>
-              <a:rPr lang="fr-FR" dirty="0"/>
+              <a:rPr lang="fr-FR"/>
               <a:t> and the </a:t>
             </a:r>
             <a:r>
-              <a:rPr lang="fr-FR" dirty="0" err="1"/>
+              <a:rPr lang="fr-FR" err="1"/>
               <a:t>decision</a:t>
             </a:r>
             <a:r>
-              <a:rPr lang="fr-FR" dirty="0"/>
+              <a:rPr lang="fr-FR"/>
               <a:t> </a:t>
             </a:r>
             <a:r>
-              <a:rPr lang="fr-FR" dirty="0" err="1"/>
+              <a:rPr lang="fr-FR" err="1"/>
               <a:t>making</a:t>
             </a:r>
             <a:r>
-              <a:rPr lang="fr-FR" dirty="0"/>
+              <a:rPr lang="fr-FR"/>
               <a:t> process</a:t>
             </a:r>
           </a:p>
@@ -6222,7 +6220,7 @@
           <a:lstStyle/>
           <a:p>
             <a:r>
-              <a:rPr lang="en-US" sz="2400" b="1" u="sng" dirty="0">
+              <a:rPr lang="en-US" sz="2400" b="1" u="sng">
                 <a:solidFill>
                   <a:srgbClr val="0F0F0F"/>
                 </a:solidFill>
@@ -6231,7 +6229,7 @@
               <a:t>IV/ </a:t>
             </a:r>
             <a:r>
-              <a:rPr lang="en-US" sz="2400" b="1" i="0" u="sng" dirty="0">
+              <a:rPr lang="en-US" sz="2400" b="1" i="0" u="sng">
                 <a:solidFill>
                   <a:srgbClr val="0F0F0F"/>
                 </a:solidFill>
@@ -6240,7 +6238,7 @@
               </a:rPr>
               <a:t>Technical Architecture</a:t>
             </a:r>
-            <a:endParaRPr lang="fr-FR" sz="3200" dirty="0"/>
+            <a:endParaRPr lang="fr-FR" sz="3200"/>
           </a:p>
         </p:txBody>
       </p:sp>
@@ -6441,7 +6439,7 @@
               <a:buChar char="•"/>
             </a:pPr>
             <a:r>
-              <a:rPr lang="fr-FR" dirty="0"/>
+              <a:rPr lang="fr-FR"/>
               <a:t>Hardware Components : Raspberry Pi, Camera</a:t>
             </a:r>
           </a:p>
@@ -6451,23 +6449,23 @@
               <a:buChar char="•"/>
             </a:pPr>
             <a:r>
-              <a:rPr lang="fr-FR" dirty="0"/>
+              <a:rPr lang="fr-FR"/>
               <a:t>Software </a:t>
             </a:r>
             <a:r>
-              <a:rPr lang="fr-FR" dirty="0" err="1"/>
+              <a:rPr lang="fr-FR" err="1"/>
               <a:t>used</a:t>
             </a:r>
             <a:r>
-              <a:rPr lang="fr-FR" dirty="0"/>
+              <a:rPr lang="fr-FR"/>
               <a:t> : Python, </a:t>
             </a:r>
             <a:r>
-              <a:rPr lang="fr-FR" dirty="0" err="1"/>
+              <a:rPr lang="fr-FR" err="1"/>
               <a:t>OpenCV</a:t>
             </a:r>
             <a:r>
-              <a:rPr lang="fr-FR" dirty="0"/>
+              <a:rPr lang="fr-FR"/>
               <a:t>…</a:t>
             </a:r>
           </a:p>
@@ -6477,24 +6475,24 @@
               <a:buChar char="•"/>
             </a:pPr>
             <a:r>
-              <a:rPr lang="fr-FR" dirty="0" err="1"/>
+              <a:rPr lang="fr-FR" err="1"/>
               <a:t>Implementation</a:t>
             </a:r>
             <a:r>
-              <a:rPr lang="fr-FR" dirty="0"/>
+              <a:rPr lang="fr-FR"/>
               <a:t> </a:t>
             </a:r>
             <a:r>
-              <a:rPr lang="fr-FR" dirty="0" err="1"/>
+              <a:rPr lang="fr-FR" err="1"/>
               <a:t>steps</a:t>
             </a:r>
-            <a:endParaRPr lang="fr-FR" dirty="0"/>
-          </a:p>
-          <a:p>
-            <a:endParaRPr lang="fr-FR" dirty="0"/>
-          </a:p>
-          <a:p>
-            <a:endParaRPr lang="fr-FR" dirty="0"/>
+            <a:endParaRPr lang="fr-FR"/>
+          </a:p>
+          <a:p>
+            <a:endParaRPr lang="fr-FR"/>
+          </a:p>
+          <a:p>
+            <a:endParaRPr lang="fr-FR"/>
           </a:p>
         </p:txBody>
       </p:sp>
@@ -6557,7 +6555,7 @@
           <a:lstStyle/>
           <a:p>
             <a:r>
-              <a:rPr lang="en-US" sz="2400" b="1" u="sng" dirty="0">
+              <a:rPr lang="en-US" sz="2400" b="1" u="sng">
                 <a:solidFill>
                   <a:srgbClr val="0F0F0F"/>
                 </a:solidFill>
@@ -6565,7 +6563,7 @@
               </a:rPr>
               <a:t>V/ Challenges and Solutions</a:t>
             </a:r>
-            <a:endParaRPr lang="fr-FR" sz="3200" dirty="0"/>
+            <a:endParaRPr lang="fr-FR" sz="3200"/>
           </a:p>
         </p:txBody>
       </p:sp>
@@ -6593,7 +6591,7 @@
           </a:prstGeom>
         </p:spPr>
         <p:txBody>
-          <a:bodyPr vert="horz" lIns="91440" tIns="45720" rIns="91440" bIns="45720" rtlCol="0">
+          <a:bodyPr vert="horz" lIns="91440" tIns="45720" rIns="91440" bIns="45720" rtlCol="0" anchor="t">
             <a:normAutofit/>
           </a:bodyPr>
           <a:lstStyle>
@@ -6766,13 +6764,46 @@
               <a:buChar char="•"/>
             </a:pPr>
             <a:r>
+              <a:rPr lang="fr-FR" dirty="0"/>
+              <a:t>Model </a:t>
+            </a:r>
+            <a:r>
               <a:rPr lang="fr-FR" dirty="0" err="1"/>
-              <a:t>Technical</a:t>
+              <a:t>precision</a:t>
             </a:r>
             <a:r>
               <a:rPr lang="fr-FR" dirty="0"/>
-              <a:t> challenges</a:t>
-            </a:r>
+              <a:t> </a:t>
+            </a:r>
+            <a:r>
+              <a:rPr lang="fr-FR" dirty="0" err="1"/>
+              <a:t>detecting</a:t>
+            </a:r>
+            <a:r>
+              <a:rPr lang="fr-FR" dirty="0"/>
+              <a:t> screens as Human</a:t>
+            </a:r>
+          </a:p>
+          <a:p>
+            <a:pPr marL="800100" lvl="1" indent="-342900" algn="l">
+              <a:buFont typeface="Courier New" panose="020B0604020202020204" pitchFamily="34" charset="0"/>
+              <a:buChar char="o"/>
+            </a:pPr>
+            <a:r>
+              <a:rPr lang="fr-FR" dirty="0" err="1"/>
+              <a:t>Improving</a:t>
+            </a:r>
+            <a:r>
+              <a:rPr lang="fr-FR" dirty="0"/>
+              <a:t> model and setting up the confidence</a:t>
+            </a:r>
+          </a:p>
+          <a:p>
+            <a:pPr marL="342900" indent="-342900" algn="l">
+              <a:buFont typeface="Arial" panose="020B0604020202020204" pitchFamily="34" charset="0"/>
+              <a:buChar char="•"/>
+            </a:pPr>
+            <a:endParaRPr lang="fr-FR" dirty="0"/>
           </a:p>
           <a:p>
             <a:pPr marL="342900" indent="-342900">
@@ -6780,14 +6811,111 @@
               <a:buChar char="•"/>
             </a:pPr>
             <a:r>
+              <a:rPr lang="fr-FR" dirty="0" err="1"/>
+              <a:t>Sending</a:t>
+            </a:r>
+            <a:r>
               <a:rPr lang="fr-FR" dirty="0"/>
-              <a:t>Solution found for the </a:t>
+              <a:t> </a:t>
             </a:r>
             <a:r>
               <a:rPr lang="fr-FR" dirty="0" err="1"/>
-              <a:t>problems</a:t>
-            </a:r>
-            <a:endParaRPr lang="fr-FR" dirty="0"/>
+              <a:t>screenshots</a:t>
+            </a:r>
+            <a:r>
+              <a:rPr lang="fr-FR" dirty="0"/>
+              <a:t> </a:t>
+            </a:r>
+            <a:r>
+              <a:rPr lang="fr-FR" dirty="0" err="1"/>
+              <a:t>constantly</a:t>
+            </a:r>
+            <a:r>
+              <a:rPr lang="fr-FR" dirty="0"/>
+              <a:t> </a:t>
+            </a:r>
+            <a:r>
+              <a:rPr lang="fr-FR" dirty="0" err="1"/>
+              <a:t>when</a:t>
+            </a:r>
+            <a:r>
+              <a:rPr lang="fr-FR" dirty="0"/>
+              <a:t> a </a:t>
+            </a:r>
+            <a:r>
+              <a:rPr lang="fr-FR" dirty="0" err="1"/>
+              <a:t>person</a:t>
+            </a:r>
+            <a:r>
+              <a:rPr lang="fr-FR" dirty="0"/>
+              <a:t> </a:t>
+            </a:r>
+            <a:r>
+              <a:rPr lang="fr-FR" dirty="0" err="1"/>
+              <a:t>was</a:t>
+            </a:r>
+            <a:r>
+              <a:rPr lang="fr-FR" dirty="0"/>
+              <a:t> </a:t>
+            </a:r>
+            <a:r>
+              <a:rPr lang="fr-FR" dirty="0" err="1"/>
+              <a:t>found</a:t>
+            </a:r>
+          </a:p>
+          <a:p>
+            <a:pPr marL="800100" lvl="1" indent="-342900" algn="l">
+              <a:buFont typeface="Courier New" panose="020B0604020202020204" pitchFamily="34" charset="0"/>
+              <a:buChar char="o"/>
+            </a:pPr>
+            <a:r>
+              <a:rPr lang="fr-FR" dirty="0" err="1"/>
+              <a:t>Adding</a:t>
+            </a:r>
+            <a:r>
+              <a:rPr lang="fr-FR" dirty="0"/>
+              <a:t> a </a:t>
+            </a:r>
+            <a:r>
+              <a:rPr lang="fr-FR" dirty="0" err="1"/>
+              <a:t>timer</a:t>
+            </a:r>
+            <a:r>
+              <a:rPr lang="fr-FR" dirty="0"/>
+              <a:t> </a:t>
+            </a:r>
+            <a:r>
+              <a:rPr lang="fr-FR" dirty="0" err="1"/>
+              <a:t>that</a:t>
+            </a:r>
+            <a:r>
+              <a:rPr lang="fr-FR" dirty="0"/>
+              <a:t> </a:t>
+            </a:r>
+            <a:r>
+              <a:rPr lang="fr-FR" dirty="0" err="1"/>
+              <a:t>send</a:t>
+            </a:r>
+            <a:r>
+              <a:rPr lang="fr-FR" dirty="0"/>
+              <a:t> one </a:t>
+            </a:r>
+            <a:r>
+              <a:rPr lang="fr-FR" dirty="0" err="1"/>
+              <a:t>screenshot</a:t>
+            </a:r>
+            <a:r>
+              <a:rPr lang="fr-FR" dirty="0"/>
+              <a:t> </a:t>
+            </a:r>
+            <a:r>
+              <a:rPr lang="fr-FR" dirty="0" err="1"/>
+              <a:t>each</a:t>
+            </a:r>
+            <a:r>
+              <a:rPr lang="fr-FR" dirty="0"/>
+              <a:t> 30 seconds</a:t>
+            </a:r>
           </a:p>
         </p:txBody>
       </p:sp>
@@ -6850,7 +6978,7 @@
           <a:lstStyle/>
           <a:p>
             <a:r>
-              <a:rPr lang="en-US" sz="2400" b="1" u="sng" dirty="0">
+              <a:rPr lang="en-US" sz="2400" b="1" u="sng">
                 <a:solidFill>
                   <a:srgbClr val="0F0F0F"/>
                 </a:solidFill>
@@ -6859,7 +6987,7 @@
               <a:t>VI/ </a:t>
             </a:r>
             <a:r>
-              <a:rPr lang="en-US" sz="2400" b="1" i="0" u="sng" dirty="0">
+              <a:rPr lang="en-US" sz="2400" b="1" i="0" u="sng">
                 <a:solidFill>
                   <a:srgbClr val="0F0F0F"/>
                 </a:solidFill>
@@ -6868,10 +6996,70 @@
               </a:rPr>
               <a:t>Project Results</a:t>
             </a:r>
-            <a:endParaRPr lang="fr-FR" sz="3200" dirty="0"/>
-          </a:p>
-        </p:txBody>
-      </p:sp>
+            <a:endParaRPr lang="fr-FR" sz="3200"/>
+          </a:p>
+        </p:txBody>
+      </p:sp>
+      <p:pic>
+        <p:nvPicPr>
+          <p:cNvPr id="4" name="Picture 3" descr="A screenshot of a person&amp;#39;s face&#10;&#10;Description automatically generated">
+            <a:extLst>
+              <a:ext uri="{FF2B5EF4-FFF2-40B4-BE49-F238E27FC236}">
+                <a16:creationId xmlns:a16="http://schemas.microsoft.com/office/drawing/2014/main" id="{3902570B-DBD5-0770-091F-5E657BBE8B79}"/>
+              </a:ext>
+            </a:extLst>
+          </p:cNvPr>
+          <p:cNvPicPr>
+            <a:picLocks noChangeAspect="1"/>
+          </p:cNvPicPr>
+          <p:nvPr/>
+        </p:nvPicPr>
+        <p:blipFill>
+          <a:blip r:embed="rId2"/>
+          <a:stretch>
+            <a:fillRect/>
+          </a:stretch>
+        </p:blipFill>
+        <p:spPr>
+          <a:xfrm>
+            <a:off x="4803569" y="104192"/>
+            <a:ext cx="4415641" cy="6481382"/>
+          </a:xfrm>
+          <a:prstGeom prst="rect">
+            <a:avLst/>
+          </a:prstGeom>
+        </p:spPr>
+      </p:pic>
+      <p:pic>
+        <p:nvPicPr>
+          <p:cNvPr id="5" name="Picture 4" descr="A person taking a selfie&#10;&#10;Description automatically generated">
+            <a:extLst>
+              <a:ext uri="{FF2B5EF4-FFF2-40B4-BE49-F238E27FC236}">
+                <a16:creationId xmlns:a16="http://schemas.microsoft.com/office/drawing/2014/main" id="{18833734-AAB5-7A0B-5149-2B881184CED1}"/>
+              </a:ext>
+            </a:extLst>
+          </p:cNvPr>
+          <p:cNvPicPr>
+            <a:picLocks noChangeAspect="1"/>
+          </p:cNvPicPr>
+          <p:nvPr/>
+        </p:nvPicPr>
+        <p:blipFill>
+          <a:blip r:embed="rId3"/>
+          <a:stretch>
+            <a:fillRect/>
+          </a:stretch>
+        </p:blipFill>
+        <p:spPr>
+          <a:xfrm>
+            <a:off x="182088" y="3165046"/>
+            <a:ext cx="4346368" cy="3526427"/>
+          </a:xfrm>
+          <a:prstGeom prst="rect">
+            <a:avLst/>
+          </a:prstGeom>
+        </p:spPr>
+      </p:pic>
     </p:spTree>
     <p:extLst>
       <p:ext uri="{BB962C8B-B14F-4D97-AF65-F5344CB8AC3E}">
@@ -6920,8 +7108,8 @@
         </p:nvSpPr>
         <p:spPr>
           <a:xfrm>
-            <a:off x="968943" y="859981"/>
-            <a:ext cx="8533376" cy="791019"/>
+            <a:off x="968943" y="834581"/>
+            <a:ext cx="1736157" cy="791019"/>
           </a:xfrm>
         </p:spPr>
         <p:txBody>
@@ -6931,7 +7119,7 @@
           <a:lstStyle/>
           <a:p>
             <a:r>
-              <a:rPr lang="en-US" sz="2400" b="1" u="sng" dirty="0">
+              <a:rPr lang="en-US" sz="2400" b="1" u="sng">
                 <a:solidFill>
                   <a:srgbClr val="0F0F0F"/>
                 </a:solidFill>
@@ -6939,7 +7127,85 @@
               </a:rPr>
               <a:t>VII/ Demo</a:t>
             </a:r>
-            <a:endParaRPr lang="fr-FR" sz="3200" dirty="0"/>
+            <a:endParaRPr lang="fr-FR" sz="3200"/>
+          </a:p>
+        </p:txBody>
+      </p:sp>
+      <p:sp>
+        <p:nvSpPr>
+          <p:cNvPr id="4" name="TextBox 3">
+            <a:extLst>
+              <a:ext uri="{FF2B5EF4-FFF2-40B4-BE49-F238E27FC236}">
+                <a16:creationId xmlns:a16="http://schemas.microsoft.com/office/drawing/2014/main" id="{AA7A6AEC-B31B-A92C-EF0B-B752C1A2D129}"/>
+              </a:ext>
+            </a:extLst>
+          </p:cNvPr>
+          <p:cNvSpPr txBox="1"/>
+          <p:nvPr/>
+        </p:nvSpPr>
+        <p:spPr>
+          <a:xfrm>
+            <a:off x="968943" y="1951672"/>
+            <a:ext cx="8187757" cy="1754326"/>
+          </a:xfrm>
+          <a:prstGeom prst="rect">
+            <a:avLst/>
+          </a:prstGeom>
+          <a:noFill/>
+        </p:spPr>
+        <p:txBody>
+          <a:bodyPr wrap="square" rtlCol="0">
+            <a:spAutoFit/>
+          </a:bodyPr>
+          <a:lstStyle/>
+          <a:p>
+            <a:r>
+              <a:rPr lang="en-US" b="1"/>
+              <a:t>Different cases for the demo (4 examples):</a:t>
+            </a:r>
+          </a:p>
+          <a:p>
+            <a:endParaRPr lang="en-US" b="1"/>
+          </a:p>
+          <a:p>
+            <a:pPr marL="285750" indent="-285750">
+              <a:buFont typeface="Arial" panose="020B0604020202020204" pitchFamily="34" charset="0"/>
+              <a:buChar char="•"/>
+            </a:pPr>
+            <a:r>
+              <a:rPr lang="en-US"/>
+              <a:t>Light effect example</a:t>
+            </a:r>
+          </a:p>
+          <a:p>
+            <a:pPr marL="285750" indent="-285750">
+              <a:buFont typeface="Arial" panose="020B0604020202020204" pitchFamily="34" charset="0"/>
+              <a:buChar char="•"/>
+            </a:pPr>
+            <a:r>
+              <a:rPr lang="en-US"/>
+              <a:t>Dark effect example</a:t>
+            </a:r>
+          </a:p>
+          <a:p>
+            <a:pPr marL="285750" indent="-285750">
+              <a:buFont typeface="Arial" panose="020B0604020202020204" pitchFamily="34" charset="0"/>
+              <a:buChar char="•"/>
+            </a:pPr>
+            <a:r>
+              <a:rPr lang="en-US"/>
+              <a:t>Bend camera position effect example</a:t>
+            </a:r>
+          </a:p>
+          <a:p>
+            <a:pPr marL="285750" indent="-285750">
+              <a:buFont typeface="Arial" panose="020B0604020202020204" pitchFamily="34" charset="0"/>
+              <a:buChar char="•"/>
+            </a:pPr>
+            <a:r>
+              <a:rPr lang="en-US"/>
+              <a:t>Blur effect example</a:t>
+            </a:r>
           </a:p>
         </p:txBody>
       </p:sp>
@@ -7379,6 +7645,14 @@
 </file>
 
 <file path=customXml/item2.xml><?xml version="1.0" encoding="utf-8"?>
+<p:properties xmlns:p="http://schemas.microsoft.com/office/2006/metadata/properties" xmlns:xsi="http://www.w3.org/2001/XMLSchema-instance" xmlns:pc="http://schemas.microsoft.com/office/infopath/2007/PartnerControls">
+  <documentManagement>
+    <_activity xmlns="b0b9c389-0b81-4de1-a9b4-9324c976bb66" xsi:nil="true"/>
+  </documentManagement>
+</p:properties>
+</file>
+
+<file path=customXml/item3.xml><?xml version="1.0" encoding="utf-8"?>
 <?mso-contentType ?>
 <FormTemplates xmlns="http://schemas.microsoft.com/sharepoint/v3/contenttype/forms">
   <Display>DocumentLibraryForm</Display>
@@ -7387,54 +7661,46 @@
 </FormTemplates>
 </file>
 
-<file path=customXml/item3.xml><?xml version="1.0" encoding="utf-8"?>
-<p:properties xmlns:p="http://schemas.microsoft.com/office/2006/metadata/properties" xmlns:xsi="http://www.w3.org/2001/XMLSchema-instance" xmlns:pc="http://schemas.microsoft.com/office/infopath/2007/PartnerControls">
-  <documentManagement>
-    <_activity xmlns="b0b9c389-0b81-4de1-a9b4-9324c976bb66" xsi:nil="true"/>
-  </documentManagement>
-</p:properties>
-</file>
-
 <file path=customXml/itemProps1.xml><?xml version="1.0" encoding="utf-8"?>
 <ds:datastoreItem xmlns:ds="http://schemas.openxmlformats.org/officeDocument/2006/customXml" ds:itemID="{98EA5CAD-9AEE-4F4A-ABB4-32210777472F}">
   <ds:schemaRefs>
-    <ds:schemaRef ds:uri="http://schemas.microsoft.com/office/2006/metadata/contentType"/>
-    <ds:schemaRef ds:uri="http://schemas.microsoft.com/office/2006/metadata/properties/metaAttributes"/>
-    <ds:schemaRef ds:uri="http://www.w3.org/2001/XMLSchema"/>
-    <ds:schemaRef ds:uri="http://schemas.microsoft.com/office/2006/metadata/properties"/>
+    <ds:schemaRef ds:uri="6fafc1f6-4dee-4174-9192-573d48fcde21"/>
     <ds:schemaRef ds:uri="b0b9c389-0b81-4de1-a9b4-9324c976bb66"/>
-    <ds:schemaRef ds:uri="6fafc1f6-4dee-4174-9192-573d48fcde21"/>
-    <ds:schemaRef ds:uri="http://schemas.microsoft.com/office/2006/documentManagement/types"/>
-    <ds:schemaRef ds:uri="http://schemas.microsoft.com/office/infopath/2007/PartnerControls"/>
-    <ds:schemaRef ds:uri="http://schemas.openxmlformats.org/package/2006/metadata/core-properties"/>
     <ds:schemaRef ds:uri="http://purl.org/dc/elements/1.1/"/>
     <ds:schemaRef ds:uri="http://purl.org/dc/terms/"/>
     <ds:schemaRef ds:uri="http://schemas.microsoft.com/internal/obd"/>
+    <ds:schemaRef ds:uri="http://schemas.microsoft.com/office/2006/documentManagement/types"/>
+    <ds:schemaRef ds:uri="http://schemas.microsoft.com/office/2006/metadata/contentType"/>
+    <ds:schemaRef ds:uri="http://schemas.microsoft.com/office/2006/metadata/properties"/>
+    <ds:schemaRef ds:uri="http://schemas.microsoft.com/office/2006/metadata/properties/metaAttributes"/>
+    <ds:schemaRef ds:uri="http://schemas.microsoft.com/office/infopath/2007/PartnerControls"/>
+    <ds:schemaRef ds:uri="http://schemas.openxmlformats.org/package/2006/metadata/core-properties"/>
+    <ds:schemaRef ds:uri="http://www.w3.org/2001/XMLSchema"/>
   </ds:schemaRefs>
 </ds:datastoreItem>
 </file>
 
 <file path=customXml/itemProps2.xml><?xml version="1.0" encoding="utf-8"?>
+<ds:datastoreItem xmlns:ds="http://schemas.openxmlformats.org/officeDocument/2006/customXml" ds:itemID="{97F661E8-3197-421F-8BF9-ECBC9875A044}">
+  <ds:schemaRefs>
+    <ds:schemaRef ds:uri="6fafc1f6-4dee-4174-9192-573d48fcde21"/>
+    <ds:schemaRef ds:uri="b0b9c389-0b81-4de1-a9b4-9324c976bb66"/>
+    <ds:schemaRef ds:uri="http://purl.org/dc/dcmitype/"/>
+    <ds:schemaRef ds:uri="http://purl.org/dc/elements/1.1/"/>
+    <ds:schemaRef ds:uri="http://purl.org/dc/terms/"/>
+    <ds:schemaRef ds:uri="http://schemas.microsoft.com/office/2006/documentManagement/types"/>
+    <ds:schemaRef ds:uri="http://schemas.microsoft.com/office/2006/metadata/properties"/>
+    <ds:schemaRef ds:uri="http://schemas.microsoft.com/office/infopath/2007/PartnerControls"/>
+    <ds:schemaRef ds:uri="http://schemas.openxmlformats.org/package/2006/metadata/core-properties"/>
+    <ds:schemaRef ds:uri="http://www.w3.org/XML/1998/namespace"/>
+  </ds:schemaRefs>
+</ds:datastoreItem>
+</file>
+
+<file path=customXml/itemProps3.xml><?xml version="1.0" encoding="utf-8"?>
 <ds:datastoreItem xmlns:ds="http://schemas.openxmlformats.org/officeDocument/2006/customXml" ds:itemID="{623F05D8-6114-4919-9615-93E12B8DA76E}">
   <ds:schemaRefs>
     <ds:schemaRef ds:uri="http://schemas.microsoft.com/sharepoint/v3/contenttype/forms"/>
   </ds:schemaRefs>
 </ds:datastoreItem>
-</file>
-
-<file path=customXml/itemProps3.xml><?xml version="1.0" encoding="utf-8"?>
-<ds:datastoreItem xmlns:ds="http://schemas.openxmlformats.org/officeDocument/2006/customXml" ds:itemID="{97F661E8-3197-421F-8BF9-ECBC9875A044}">
-  <ds:schemaRefs>
-    <ds:schemaRef ds:uri="http://schemas.microsoft.com/office/2006/documentManagement/types"/>
-    <ds:schemaRef ds:uri="http://schemas.microsoft.com/office/infopath/2007/PartnerControls"/>
-    <ds:schemaRef ds:uri="http://purl.org/dc/terms/"/>
-    <ds:schemaRef ds:uri="http://www.w3.org/XML/1998/namespace"/>
-    <ds:schemaRef ds:uri="http://schemas.openxmlformats.org/package/2006/metadata/core-properties"/>
-    <ds:schemaRef ds:uri="http://schemas.microsoft.com/office/2006/metadata/properties"/>
-    <ds:schemaRef ds:uri="b0b9c389-0b81-4de1-a9b4-9324c976bb66"/>
-    <ds:schemaRef ds:uri="6fafc1f6-4dee-4174-9192-573d48fcde21"/>
-    <ds:schemaRef ds:uri="http://purl.org/dc/dcmitype/"/>
-    <ds:schemaRef ds:uri="http://purl.org/dc/elements/1.1/"/>
-  </ds:schemaRefs>
-</ds:datastoreItem>
 </file>
--- a/IOT-Team_PBBT.pptx
+++ b/IOT-Team_PBBT.pptx
@@ -126,7 +126,9 @@
   <p1510:revLst>
     <p1510:client id="{3A806403-E084-BDC0-2453-BF819BBA60BD}" v="271" dt="2023-11-30T13:56:50.808"/>
     <p1510:client id="{6241BBDD-14B5-4252-8A27-85AB1DFA4C26}" vWet="4" dt="2023-11-30T08:37:51.255"/>
+    <p1510:client id="{B95AAD61-E7A5-348D-C180-D60D65C95F4F}" v="38" dt="2023-12-01T10:45:25.408"/>
     <p1510:client id="{D636BC8A-C056-5256-92E9-8271696DF9D7}" v="21" dt="2023-11-30T12:03:07.154"/>
+    <p1510:client id="{F202A97D-4984-3D91-1364-BA56606A4D73}" v="2" dt="2023-12-07T07:28:50.817"/>
   </p1510:revLst>
 </p1510:revInfo>
 </file>
@@ -442,7 +444,7 @@
           <a:p>
             <a:fld id="{1E351CED-465B-40B5-ADCE-957C918F227B}" type="datetimeFigureOut">
               <a:rPr lang="en-US" smtClean="0"/>
-              <a:t>11/30/2023</a:t>
+              <a:t>12/6/2023</a:t>
             </a:fld>
             <a:endParaRPr lang="en-US"/>
           </a:p>
@@ -650,7 +652,7 @@
           <a:p>
             <a:fld id="{1E351CED-465B-40B5-ADCE-957C918F227B}" type="datetimeFigureOut">
               <a:rPr lang="en-US" smtClean="0"/>
-              <a:t>11/30/2023</a:t>
+              <a:t>12/6/2023</a:t>
             </a:fld>
             <a:endParaRPr lang="en-US"/>
           </a:p>
@@ -858,7 +860,7 @@
           <a:p>
             <a:fld id="{1E351CED-465B-40B5-ADCE-957C918F227B}" type="datetimeFigureOut">
               <a:rPr lang="en-US" smtClean="0"/>
-              <a:t>11/30/2023</a:t>
+              <a:t>12/6/2023</a:t>
             </a:fld>
             <a:endParaRPr lang="en-US"/>
           </a:p>
@@ -1056,7 +1058,7 @@
           <a:p>
             <a:fld id="{1E351CED-465B-40B5-ADCE-957C918F227B}" type="datetimeFigureOut">
               <a:rPr lang="en-US" smtClean="0"/>
-              <a:t>11/30/2023</a:t>
+              <a:t>12/6/2023</a:t>
             </a:fld>
             <a:endParaRPr lang="en-US"/>
           </a:p>
@@ -1633,7 +1635,7 @@
           <a:p>
             <a:fld id="{1E351CED-465B-40B5-ADCE-957C918F227B}" type="datetimeFigureOut">
               <a:rPr lang="en-US" smtClean="0"/>
-              <a:t>11/30/2023</a:t>
+              <a:t>12/6/2023</a:t>
             </a:fld>
             <a:endParaRPr lang="en-US"/>
           </a:p>
@@ -1903,7 +1905,7 @@
           <a:p>
             <a:fld id="{1E351CED-465B-40B5-ADCE-957C918F227B}" type="datetimeFigureOut">
               <a:rPr lang="en-US" smtClean="0"/>
-              <a:t>11/30/2023</a:t>
+              <a:t>12/6/2023</a:t>
             </a:fld>
             <a:endParaRPr lang="en-US"/>
           </a:p>
@@ -2319,7 +2321,7 @@
           <a:p>
             <a:fld id="{1E351CED-465B-40B5-ADCE-957C918F227B}" type="datetimeFigureOut">
               <a:rPr lang="en-US" smtClean="0"/>
-              <a:t>11/30/2023</a:t>
+              <a:t>12/6/2023</a:t>
             </a:fld>
             <a:endParaRPr lang="en-US"/>
           </a:p>
@@ -2465,7 +2467,7 @@
           <a:p>
             <a:fld id="{1E351CED-465B-40B5-ADCE-957C918F227B}" type="datetimeFigureOut">
               <a:rPr lang="en-US" smtClean="0"/>
-              <a:t>11/30/2023</a:t>
+              <a:t>12/6/2023</a:t>
             </a:fld>
             <a:endParaRPr lang="en-US"/>
           </a:p>
@@ -2578,7 +2580,7 @@
           <a:p>
             <a:fld id="{1E351CED-465B-40B5-ADCE-957C918F227B}" type="datetimeFigureOut">
               <a:rPr lang="en-US" smtClean="0"/>
-              <a:t>11/30/2023</a:t>
+              <a:t>12/6/2023</a:t>
             </a:fld>
             <a:endParaRPr lang="en-US"/>
           </a:p>
@@ -2891,7 +2893,7 @@
           <a:p>
             <a:fld id="{1E351CED-465B-40B5-ADCE-957C918F227B}" type="datetimeFigureOut">
               <a:rPr lang="en-US" smtClean="0"/>
-              <a:t>11/30/2023</a:t>
+              <a:t>12/6/2023</a:t>
             </a:fld>
             <a:endParaRPr lang="en-US"/>
           </a:p>
@@ -3184,7 +3186,7 @@
           <a:p>
             <a:fld id="{1E351CED-465B-40B5-ADCE-957C918F227B}" type="datetimeFigureOut">
               <a:rPr lang="en-US" smtClean="0"/>
-              <a:t>11/30/2023</a:t>
+              <a:t>12/6/2023</a:t>
             </a:fld>
             <a:endParaRPr lang="en-US"/>
           </a:p>
@@ -3423,7 +3425,7 @@
           <a:p>
             <a:fld id="{1E351CED-465B-40B5-ADCE-957C918F227B}" type="datetimeFigureOut">
               <a:rPr lang="en-US" smtClean="0"/>
-              <a:t>11/30/2023</a:t>
+              <a:t>12/6/2023</a:t>
             </a:fld>
             <a:endParaRPr lang="en-US"/>
           </a:p>
@@ -4640,6 +4642,66 @@
           </a:p>
         </p:txBody>
       </p:sp>
+      <p:pic>
+        <p:nvPicPr>
+          <p:cNvPr id="3" name="Picture 2">
+            <a:extLst>
+              <a:ext uri="{FF2B5EF4-FFF2-40B4-BE49-F238E27FC236}">
+                <a16:creationId xmlns:a16="http://schemas.microsoft.com/office/drawing/2014/main" id="{5088FEE8-95E0-85EE-BE8E-0B9F5188A5CE}"/>
+              </a:ext>
+            </a:extLst>
+          </p:cNvPr>
+          <p:cNvPicPr>
+            <a:picLocks noChangeAspect="1"/>
+          </p:cNvPicPr>
+          <p:nvPr/>
+        </p:nvPicPr>
+        <p:blipFill>
+          <a:blip r:embed="rId2"/>
+          <a:stretch>
+            <a:fillRect/>
+          </a:stretch>
+        </p:blipFill>
+        <p:spPr>
+          <a:xfrm>
+            <a:off x="1846050" y="3171746"/>
+            <a:ext cx="1316792" cy="1271968"/>
+          </a:xfrm>
+          <a:prstGeom prst="rect">
+            <a:avLst/>
+          </a:prstGeom>
+        </p:spPr>
+      </p:pic>
+      <p:pic>
+        <p:nvPicPr>
+          <p:cNvPr id="4" name="Picture 3">
+            <a:extLst>
+              <a:ext uri="{FF2B5EF4-FFF2-40B4-BE49-F238E27FC236}">
+                <a16:creationId xmlns:a16="http://schemas.microsoft.com/office/drawing/2014/main" id="{35C201A6-F884-C638-304E-7BFFCCAAD21B}"/>
+              </a:ext>
+            </a:extLst>
+          </p:cNvPr>
+          <p:cNvPicPr>
+            <a:picLocks noChangeAspect="1"/>
+          </p:cNvPicPr>
+          <p:nvPr/>
+        </p:nvPicPr>
+        <p:blipFill>
+          <a:blip r:embed="rId3"/>
+          <a:stretch>
+            <a:fillRect/>
+          </a:stretch>
+        </p:blipFill>
+        <p:spPr>
+          <a:xfrm>
+            <a:off x="5240112" y="2879073"/>
+            <a:ext cx="1559862" cy="1559862"/>
+          </a:xfrm>
+          <a:prstGeom prst="rect">
+            <a:avLst/>
+          </a:prstGeom>
+        </p:spPr>
+      </p:pic>
     </p:spTree>
     <p:extLst>
       <p:ext uri="{BB962C8B-B14F-4D97-AF65-F5344CB8AC3E}">
@@ -6764,23 +6826,23 @@
               <a:buChar char="•"/>
             </a:pPr>
             <a:r>
-              <a:rPr lang="fr-FR" dirty="0"/>
+              <a:rPr lang="fr-FR"/>
               <a:t>Model </a:t>
             </a:r>
             <a:r>
-              <a:rPr lang="fr-FR" dirty="0" err="1"/>
+              <a:rPr lang="fr-FR" err="1"/>
               <a:t>precision</a:t>
             </a:r>
             <a:r>
-              <a:rPr lang="fr-FR" dirty="0"/>
+              <a:rPr lang="fr-FR"/>
               <a:t> </a:t>
             </a:r>
             <a:r>
-              <a:rPr lang="fr-FR" dirty="0" err="1"/>
+              <a:rPr lang="fr-FR" err="1"/>
               <a:t>detecting</a:t>
             </a:r>
             <a:r>
-              <a:rPr lang="fr-FR" dirty="0"/>
+              <a:rPr lang="fr-FR"/>
               <a:t> screens as Human</a:t>
             </a:r>
           </a:p>
@@ -6790,11 +6852,11 @@
               <a:buChar char="o"/>
             </a:pPr>
             <a:r>
-              <a:rPr lang="fr-FR" dirty="0" err="1"/>
+              <a:rPr lang="fr-FR" err="1"/>
               <a:t>Improving</a:t>
             </a:r>
             <a:r>
-              <a:rPr lang="fr-FR" dirty="0"/>
+              <a:rPr lang="fr-FR"/>
               <a:t> model and setting up the confidence</a:t>
             </a:r>
           </a:p>
@@ -6803,7 +6865,7 @@
               <a:buFont typeface="Arial" panose="020B0604020202020204" pitchFamily="34" charset="0"/>
               <a:buChar char="•"/>
             </a:pPr>
-            <a:endParaRPr lang="fr-FR" dirty="0"/>
+            <a:endParaRPr lang="fr-FR"/>
           </a:p>
           <a:p>
             <a:pPr marL="342900" indent="-342900">
@@ -6811,55 +6873,55 @@
               <a:buChar char="•"/>
             </a:pPr>
             <a:r>
-              <a:rPr lang="fr-FR" dirty="0" err="1"/>
+              <a:rPr lang="fr-FR" err="1"/>
               <a:t>Sending</a:t>
             </a:r>
             <a:r>
-              <a:rPr lang="fr-FR" dirty="0"/>
+              <a:rPr lang="fr-FR"/>
               <a:t> </a:t>
             </a:r>
             <a:r>
-              <a:rPr lang="fr-FR" dirty="0" err="1"/>
+              <a:rPr lang="fr-FR" err="1"/>
               <a:t>screenshots</a:t>
             </a:r>
             <a:r>
-              <a:rPr lang="fr-FR" dirty="0"/>
+              <a:rPr lang="fr-FR"/>
               <a:t> </a:t>
             </a:r>
             <a:r>
-              <a:rPr lang="fr-FR" dirty="0" err="1"/>
+              <a:rPr lang="fr-FR" err="1"/>
               <a:t>constantly</a:t>
             </a:r>
             <a:r>
-              <a:rPr lang="fr-FR" dirty="0"/>
+              <a:rPr lang="fr-FR"/>
               <a:t> </a:t>
             </a:r>
             <a:r>
-              <a:rPr lang="fr-FR" dirty="0" err="1"/>
+              <a:rPr lang="fr-FR" err="1"/>
               <a:t>when</a:t>
             </a:r>
             <a:r>
-              <a:rPr lang="fr-FR" dirty="0"/>
+              <a:rPr lang="fr-FR"/>
               <a:t> a </a:t>
             </a:r>
             <a:r>
-              <a:rPr lang="fr-FR" dirty="0" err="1"/>
+              <a:rPr lang="fr-FR" err="1"/>
               <a:t>person</a:t>
             </a:r>
             <a:r>
-              <a:rPr lang="fr-FR" dirty="0"/>
+              <a:rPr lang="fr-FR"/>
               <a:t> </a:t>
             </a:r>
             <a:r>
-              <a:rPr lang="fr-FR" dirty="0" err="1"/>
+              <a:rPr lang="fr-FR" err="1"/>
               <a:t>was</a:t>
             </a:r>
             <a:r>
-              <a:rPr lang="fr-FR" dirty="0"/>
+              <a:rPr lang="fr-FR"/>
               <a:t> </a:t>
             </a:r>
             <a:r>
-              <a:rPr lang="fr-FR" dirty="0" err="1"/>
+              <a:rPr lang="fr-FR" err="1"/>
               <a:t>found</a:t>
             </a:r>
           </a:p>
@@ -6869,51 +6931,51 @@
               <a:buChar char="o"/>
             </a:pPr>
             <a:r>
-              <a:rPr lang="fr-FR" dirty="0" err="1"/>
+              <a:rPr lang="fr-FR" err="1"/>
               <a:t>Adding</a:t>
             </a:r>
             <a:r>
-              <a:rPr lang="fr-FR" dirty="0"/>
+              <a:rPr lang="fr-FR"/>
               <a:t> a </a:t>
             </a:r>
             <a:r>
-              <a:rPr lang="fr-FR" dirty="0" err="1"/>
+              <a:rPr lang="fr-FR" err="1"/>
               <a:t>timer</a:t>
             </a:r>
             <a:r>
-              <a:rPr lang="fr-FR" dirty="0"/>
+              <a:rPr lang="fr-FR"/>
               <a:t> </a:t>
             </a:r>
             <a:r>
-              <a:rPr lang="fr-FR" dirty="0" err="1"/>
+              <a:rPr lang="fr-FR" err="1"/>
               <a:t>that</a:t>
             </a:r>
             <a:r>
-              <a:rPr lang="fr-FR" dirty="0"/>
+              <a:rPr lang="fr-FR"/>
               <a:t> </a:t>
             </a:r>
             <a:r>
-              <a:rPr lang="fr-FR" dirty="0" err="1"/>
+              <a:rPr lang="fr-FR" err="1"/>
               <a:t>send</a:t>
             </a:r>
             <a:r>
-              <a:rPr lang="fr-FR" dirty="0"/>
+              <a:rPr lang="fr-FR"/>
               <a:t> one </a:t>
             </a:r>
             <a:r>
-              <a:rPr lang="fr-FR" dirty="0" err="1"/>
+              <a:rPr lang="fr-FR" err="1"/>
               <a:t>screenshot</a:t>
             </a:r>
             <a:r>
-              <a:rPr lang="fr-FR" dirty="0"/>
+              <a:rPr lang="fr-FR"/>
               <a:t> </a:t>
             </a:r>
             <a:r>
-              <a:rPr lang="fr-FR" dirty="0" err="1"/>
+              <a:rPr lang="fr-FR" err="1"/>
               <a:t>each</a:t>
             </a:r>
             <a:r>
-              <a:rPr lang="fr-FR" dirty="0"/>
+              <a:rPr lang="fr-FR"/>
               <a:t> 30 seconds</a:t>
             </a:r>
           </a:p>
@@ -7424,6 +7486,14 @@
 </file>
 
 <file path=customXml/item1.xml><?xml version="1.0" encoding="utf-8"?>
+<p:properties xmlns:p="http://schemas.microsoft.com/office/2006/metadata/properties" xmlns:xsi="http://www.w3.org/2001/XMLSchema-instance" xmlns:pc="http://schemas.microsoft.com/office/infopath/2007/PartnerControls">
+  <documentManagement>
+    <_activity xmlns="b0b9c389-0b81-4de1-a9b4-9324c976bb66" xsi:nil="true"/>
+  </documentManagement>
+</p:properties>
+</file>
+
+<file path=customXml/item2.xml><?xml version="1.0" encoding="utf-8"?>
 <ct:contentTypeSchema xmlns:ct="http://schemas.microsoft.com/office/2006/metadata/contentType" xmlns:ma="http://schemas.microsoft.com/office/2006/metadata/properties/metaAttributes" ct:_="" ma:_="" ma:contentTypeName="Document" ma:contentTypeID="0x0101003198FB2AC52F524987B75541F3081E66" ma:contentTypeVersion="13" ma:contentTypeDescription="Crée un document." ma:contentTypeScope="" ma:versionID="693483ac15952fbb664b20959ab1273d">
   <xsd:schema xmlns:xsd="http://www.w3.org/2001/XMLSchema" xmlns:xs="http://www.w3.org/2001/XMLSchema" xmlns:p="http://schemas.microsoft.com/office/2006/metadata/properties" xmlns:ns3="b0b9c389-0b81-4de1-a9b4-9324c976bb66" xmlns:ns4="6fafc1f6-4dee-4174-9192-573d48fcde21" targetNamespace="http://schemas.microsoft.com/office/2006/metadata/properties" ma:root="true" ma:fieldsID="c0dfda6cf5d2251c63f8527bc7bcde12" ns3:_="" ns4:_="">
     <xsd:import namespace="b0b9c389-0b81-4de1-a9b4-9324c976bb66"/>
@@ -7644,14 +7714,6 @@
 </ct:contentTypeSchema>
 </file>
 
-<file path=customXml/item2.xml><?xml version="1.0" encoding="utf-8"?>
-<p:properties xmlns:p="http://schemas.microsoft.com/office/2006/metadata/properties" xmlns:xsi="http://www.w3.org/2001/XMLSchema-instance" xmlns:pc="http://schemas.microsoft.com/office/infopath/2007/PartnerControls">
-  <documentManagement>
-    <_activity xmlns="b0b9c389-0b81-4de1-a9b4-9324c976bb66" xsi:nil="true"/>
-  </documentManagement>
-</p:properties>
-</file>
-
 <file path=customXml/item3.xml><?xml version="1.0" encoding="utf-8"?>
 <?mso-contentType ?>
 <FormTemplates xmlns="http://schemas.microsoft.com/sharepoint/v3/contenttype/forms">
@@ -7662,6 +7724,23 @@
 </file>
 
 <file path=customXml/itemProps1.xml><?xml version="1.0" encoding="utf-8"?>
+<ds:datastoreItem xmlns:ds="http://schemas.openxmlformats.org/officeDocument/2006/customXml" ds:itemID="{97F661E8-3197-421F-8BF9-ECBC9875A044}">
+  <ds:schemaRefs>
+    <ds:schemaRef ds:uri="6fafc1f6-4dee-4174-9192-573d48fcde21"/>
+    <ds:schemaRef ds:uri="b0b9c389-0b81-4de1-a9b4-9324c976bb66"/>
+    <ds:schemaRef ds:uri="http://purl.org/dc/dcmitype/"/>
+    <ds:schemaRef ds:uri="http://purl.org/dc/elements/1.1/"/>
+    <ds:schemaRef ds:uri="http://purl.org/dc/terms/"/>
+    <ds:schemaRef ds:uri="http://schemas.microsoft.com/office/2006/documentManagement/types"/>
+    <ds:schemaRef ds:uri="http://schemas.microsoft.com/office/2006/metadata/properties"/>
+    <ds:schemaRef ds:uri="http://schemas.microsoft.com/office/infopath/2007/PartnerControls"/>
+    <ds:schemaRef ds:uri="http://schemas.openxmlformats.org/package/2006/metadata/core-properties"/>
+    <ds:schemaRef ds:uri="http://www.w3.org/XML/1998/namespace"/>
+  </ds:schemaRefs>
+</ds:datastoreItem>
+</file>
+
+<file path=customXml/itemProps2.xml><?xml version="1.0" encoding="utf-8"?>
 <ds:datastoreItem xmlns:ds="http://schemas.openxmlformats.org/officeDocument/2006/customXml" ds:itemID="{98EA5CAD-9AEE-4F4A-ABB4-32210777472F}">
   <ds:schemaRefs>
     <ds:schemaRef ds:uri="6fafc1f6-4dee-4174-9192-573d48fcde21"/>
@@ -7680,23 +7759,6 @@
 </ds:datastoreItem>
 </file>
 
-<file path=customXml/itemProps2.xml><?xml version="1.0" encoding="utf-8"?>
-<ds:datastoreItem xmlns:ds="http://schemas.openxmlformats.org/officeDocument/2006/customXml" ds:itemID="{97F661E8-3197-421F-8BF9-ECBC9875A044}">
-  <ds:schemaRefs>
-    <ds:schemaRef ds:uri="6fafc1f6-4dee-4174-9192-573d48fcde21"/>
-    <ds:schemaRef ds:uri="b0b9c389-0b81-4de1-a9b4-9324c976bb66"/>
-    <ds:schemaRef ds:uri="http://purl.org/dc/dcmitype/"/>
-    <ds:schemaRef ds:uri="http://purl.org/dc/elements/1.1/"/>
-    <ds:schemaRef ds:uri="http://purl.org/dc/terms/"/>
-    <ds:schemaRef ds:uri="http://schemas.microsoft.com/office/2006/documentManagement/types"/>
-    <ds:schemaRef ds:uri="http://schemas.microsoft.com/office/2006/metadata/properties"/>
-    <ds:schemaRef ds:uri="http://schemas.microsoft.com/office/infopath/2007/PartnerControls"/>
-    <ds:schemaRef ds:uri="http://schemas.openxmlformats.org/package/2006/metadata/core-properties"/>
-    <ds:schemaRef ds:uri="http://www.w3.org/XML/1998/namespace"/>
-  </ds:schemaRefs>
-</ds:datastoreItem>
-</file>
-
 <file path=customXml/itemProps3.xml><?xml version="1.0" encoding="utf-8"?>
 <ds:datastoreItem xmlns:ds="http://schemas.openxmlformats.org/officeDocument/2006/customXml" ds:itemID="{623F05D8-6114-4919-9615-93E12B8DA76E}">
   <ds:schemaRefs>
